--- a/presentation/Presentation1.pptx
+++ b/presentation/Presentation1.pptx
@@ -13,6 +13,10 @@
     <p:sldId id="261" r:id="rId7"/>
     <p:sldId id="262" r:id="rId8"/>
     <p:sldId id="263" r:id="rId9"/>
+    <p:sldId id="264" r:id="rId10"/>
+    <p:sldId id="265" r:id="rId11"/>
+    <p:sldId id="266" r:id="rId12"/>
+    <p:sldId id="267" r:id="rId13"/>
   </p:sldIdLst>
   <p:sldSz cx="12192000" cy="6858000"/>
   <p:notesSz cx="6858000" cy="9144000"/>
@@ -111,6 +115,11 @@
       </a:defRPr>
     </a:lvl9pPr>
   </p:defaultTextStyle>
+  <p:extLst>
+    <p:ext uri="{EFAFB233-063F-42B5-8137-9DF3F51BA10A}">
+      <p15:sldGuideLst xmlns:p15="http://schemas.microsoft.com/office/powerpoint/2012/main"/>
+    </p:ext>
+  </p:extLst>
 </p:presentation>
 </file>
 
@@ -513,7 +522,7 @@
           <a:p>
             <a:fld id="{EA284BA8-13B8-3640-96A8-BCD00F9B9959}" type="datetimeFigureOut">
               <a:rPr lang="en-US" smtClean="0"/>
-              <a:t>7/9/19</a:t>
+              <a:t>7/23/19</a:t>
             </a:fld>
             <a:endParaRPr lang="en-US"/>
           </a:p>
@@ -711,7 +720,7 @@
           <a:p>
             <a:fld id="{EA284BA8-13B8-3640-96A8-BCD00F9B9959}" type="datetimeFigureOut">
               <a:rPr lang="en-US" smtClean="0"/>
-              <a:t>7/9/19</a:t>
+              <a:t>7/23/19</a:t>
             </a:fld>
             <a:endParaRPr lang="en-US"/>
           </a:p>
@@ -919,7 +928,7 @@
           <a:p>
             <a:fld id="{EA284BA8-13B8-3640-96A8-BCD00F9B9959}" type="datetimeFigureOut">
               <a:rPr lang="en-US" smtClean="0"/>
-              <a:t>7/9/19</a:t>
+              <a:t>7/23/19</a:t>
             </a:fld>
             <a:endParaRPr lang="en-US"/>
           </a:p>
@@ -1117,7 +1126,7 @@
           <a:p>
             <a:fld id="{EA284BA8-13B8-3640-96A8-BCD00F9B9959}" type="datetimeFigureOut">
               <a:rPr lang="en-US" smtClean="0"/>
-              <a:t>7/9/19</a:t>
+              <a:t>7/23/19</a:t>
             </a:fld>
             <a:endParaRPr lang="en-US"/>
           </a:p>
@@ -1392,7 +1401,7 @@
           <a:p>
             <a:fld id="{EA284BA8-13B8-3640-96A8-BCD00F9B9959}" type="datetimeFigureOut">
               <a:rPr lang="en-US" smtClean="0"/>
-              <a:t>7/9/19</a:t>
+              <a:t>7/23/19</a:t>
             </a:fld>
             <a:endParaRPr lang="en-US"/>
           </a:p>
@@ -1657,7 +1666,7 @@
           <a:p>
             <a:fld id="{EA284BA8-13B8-3640-96A8-BCD00F9B9959}" type="datetimeFigureOut">
               <a:rPr lang="en-US" smtClean="0"/>
-              <a:t>7/9/19</a:t>
+              <a:t>7/23/19</a:t>
             </a:fld>
             <a:endParaRPr lang="en-US"/>
           </a:p>
@@ -2069,7 +2078,7 @@
           <a:p>
             <a:fld id="{EA284BA8-13B8-3640-96A8-BCD00F9B9959}" type="datetimeFigureOut">
               <a:rPr lang="en-US" smtClean="0"/>
-              <a:t>7/9/19</a:t>
+              <a:t>7/23/19</a:t>
             </a:fld>
             <a:endParaRPr lang="en-US"/>
           </a:p>
@@ -2210,7 +2219,7 @@
           <a:p>
             <a:fld id="{EA284BA8-13B8-3640-96A8-BCD00F9B9959}" type="datetimeFigureOut">
               <a:rPr lang="en-US" smtClean="0"/>
-              <a:t>7/9/19</a:t>
+              <a:t>7/23/19</a:t>
             </a:fld>
             <a:endParaRPr lang="en-US"/>
           </a:p>
@@ -2323,7 +2332,7 @@
           <a:p>
             <a:fld id="{EA284BA8-13B8-3640-96A8-BCD00F9B9959}" type="datetimeFigureOut">
               <a:rPr lang="en-US" smtClean="0"/>
-              <a:t>7/9/19</a:t>
+              <a:t>7/23/19</a:t>
             </a:fld>
             <a:endParaRPr lang="en-US"/>
           </a:p>
@@ -2634,7 +2643,7 @@
           <a:p>
             <a:fld id="{EA284BA8-13B8-3640-96A8-BCD00F9B9959}" type="datetimeFigureOut">
               <a:rPr lang="en-US" smtClean="0"/>
-              <a:t>7/9/19</a:t>
+              <a:t>7/23/19</a:t>
             </a:fld>
             <a:endParaRPr lang="en-US"/>
           </a:p>
@@ -2922,7 +2931,7 @@
           <a:p>
             <a:fld id="{EA284BA8-13B8-3640-96A8-BCD00F9B9959}" type="datetimeFigureOut">
               <a:rPr lang="en-US" smtClean="0"/>
-              <a:t>7/9/19</a:t>
+              <a:t>7/23/19</a:t>
             </a:fld>
             <a:endParaRPr lang="en-US"/>
           </a:p>
@@ -3163,7 +3172,7 @@
           <a:p>
             <a:fld id="{EA284BA8-13B8-3640-96A8-BCD00F9B9959}" type="datetimeFigureOut">
               <a:rPr lang="en-US" smtClean="0"/>
-              <a:t>7/9/19</a:t>
+              <a:t>7/23/19</a:t>
             </a:fld>
             <a:endParaRPr lang="en-US"/>
           </a:p>
@@ -3646,7 +3655,7 @@
           <a:p>
             <a:r>
               <a:rPr lang="en-US" altLang="zh-CN" dirty="0"/>
-              <a:t>9</a:t>
+              <a:t>16</a:t>
             </a:r>
             <a:r>
               <a:rPr lang="zh-CN" altLang="en-US" dirty="0"/>
@@ -3678,6 +3687,1285 @@
     <p:extLst>
       <p:ext uri="{BB962C8B-B14F-4D97-AF65-F5344CB8AC3E}">
         <p14:creationId xmlns:p14="http://schemas.microsoft.com/office/powerpoint/2010/main" val="3469567119"/>
+      </p:ext>
+    </p:extLst>
+  </p:cSld>
+  <p:clrMapOvr>
+    <a:masterClrMapping/>
+  </p:clrMapOvr>
+</p:sld>
+</file>
+
+<file path=ppt/slides/slide10.xml><?xml version="1.0" encoding="utf-8"?>
+<p:sld xmlns:a="http://schemas.openxmlformats.org/drawingml/2006/main" xmlns:r="http://schemas.openxmlformats.org/officeDocument/2006/relationships" xmlns:p="http://schemas.openxmlformats.org/presentationml/2006/main">
+  <p:cSld>
+    <p:spTree>
+      <p:nvGrpSpPr>
+        <p:cNvPr id="1" name=""/>
+        <p:cNvGrpSpPr/>
+        <p:nvPr/>
+      </p:nvGrpSpPr>
+      <p:grpSpPr>
+        <a:xfrm>
+          <a:off x="0" y="0"/>
+          <a:ext cx="0" cy="0"/>
+          <a:chOff x="0" y="0"/>
+          <a:chExt cx="0" cy="0"/>
+        </a:xfrm>
+      </p:grpSpPr>
+      <p:sp>
+        <p:nvSpPr>
+          <p:cNvPr id="2" name="Title 1">
+            <a:extLst>
+              <a:ext uri="{FF2B5EF4-FFF2-40B4-BE49-F238E27FC236}">
+                <a16:creationId xmlns:a16="http://schemas.microsoft.com/office/drawing/2014/main" id="{13658762-5248-E549-8FFC-E0AF069BDD69}"/>
+              </a:ext>
+            </a:extLst>
+          </p:cNvPr>
+          <p:cNvSpPr>
+            <a:spLocks noGrp="1"/>
+          </p:cNvSpPr>
+          <p:nvPr>
+            <p:ph type="title"/>
+          </p:nvPr>
+        </p:nvSpPr>
+        <p:spPr/>
+        <p:txBody>
+          <a:bodyPr/>
+          <a:lstStyle/>
+          <a:p>
+            <a:r>
+              <a:rPr lang="en-US" dirty="0"/>
+              <a:t>Covariates control</a:t>
+            </a:r>
+          </a:p>
+        </p:txBody>
+      </p:sp>
+      <p:sp>
+        <p:nvSpPr>
+          <p:cNvPr id="3" name="Content Placeholder 2">
+            <a:extLst>
+              <a:ext uri="{FF2B5EF4-FFF2-40B4-BE49-F238E27FC236}">
+                <a16:creationId xmlns:a16="http://schemas.microsoft.com/office/drawing/2014/main" id="{F54344F7-95A7-7049-BC69-BF0E506F42CD}"/>
+              </a:ext>
+            </a:extLst>
+          </p:cNvPr>
+          <p:cNvSpPr>
+            <a:spLocks noGrp="1"/>
+          </p:cNvSpPr>
+          <p:nvPr>
+            <p:ph idx="1"/>
+          </p:nvPr>
+        </p:nvSpPr>
+        <p:spPr/>
+        <p:txBody>
+          <a:bodyPr/>
+          <a:lstStyle/>
+          <a:p>
+            <a:r>
+              <a:rPr lang="en-US" altLang="zh-CN" dirty="0"/>
+              <a:t>Prepare</a:t>
+            </a:r>
+            <a:r>
+              <a:rPr lang="zh-CN" altLang="en-US" dirty="0"/>
+              <a:t> </a:t>
+            </a:r>
+            <a:r>
+              <a:rPr lang="en-US" altLang="zh-CN" dirty="0"/>
+              <a:t>data</a:t>
+            </a:r>
+            <a:r>
+              <a:rPr lang="zh-CN" altLang="en-US" dirty="0"/>
+              <a:t> </a:t>
+            </a:r>
+            <a:r>
+              <a:rPr lang="en-US" altLang="zh-CN" dirty="0"/>
+              <a:t>for</a:t>
+            </a:r>
+            <a:r>
+              <a:rPr lang="zh-CN" altLang="en-US" dirty="0"/>
+              <a:t> </a:t>
+            </a:r>
+            <a:endParaRPr lang="en-US" altLang="zh-CN" dirty="0"/>
+          </a:p>
+          <a:p>
+            <a:r>
+              <a:rPr lang="en-US" dirty="0"/>
+              <a:t>mod = </a:t>
+            </a:r>
+            <a:r>
+              <a:rPr lang="en-US" dirty="0" err="1"/>
+              <a:t>lm</a:t>
+            </a:r>
+            <a:r>
+              <a:rPr lang="en-US" dirty="0"/>
+              <a:t>(</a:t>
+            </a:r>
+            <a:r>
+              <a:rPr lang="en-US" dirty="0" err="1"/>
+              <a:t>cpg</a:t>
+            </a:r>
+            <a:r>
+              <a:rPr lang="en-US" dirty="0"/>
+              <a:t> ~ age +gender +PC1+PC2+PC3+PC4+PC5, data = df1)</a:t>
+            </a:r>
+          </a:p>
+          <a:p>
+            <a:r>
+              <a:rPr lang="en-US" altLang="zh-CN" dirty="0"/>
+              <a:t>There</a:t>
+            </a:r>
+            <a:r>
+              <a:rPr lang="zh-CN" altLang="en-US" dirty="0"/>
+              <a:t> </a:t>
+            </a:r>
+            <a:r>
+              <a:rPr lang="en-US" altLang="zh-CN" dirty="0"/>
+              <a:t>are</a:t>
+            </a:r>
+            <a:r>
+              <a:rPr lang="zh-CN" altLang="en-US" dirty="0"/>
+              <a:t> </a:t>
+            </a:r>
+            <a:r>
+              <a:rPr lang="en-US" altLang="zh-CN" dirty="0"/>
+              <a:t>1599</a:t>
+            </a:r>
+            <a:r>
+              <a:rPr lang="zh-CN" altLang="en-US" dirty="0"/>
+              <a:t> </a:t>
+            </a:r>
+            <a:r>
+              <a:rPr lang="en-US" altLang="zh-CN" dirty="0"/>
+              <a:t>samples</a:t>
+            </a:r>
+            <a:r>
+              <a:rPr lang="zh-CN" altLang="en-US" dirty="0"/>
+              <a:t> </a:t>
+            </a:r>
+            <a:r>
+              <a:rPr lang="en-US" altLang="zh-CN" dirty="0"/>
+              <a:t>in</a:t>
+            </a:r>
+            <a:r>
+              <a:rPr lang="zh-CN" altLang="en-US" dirty="0"/>
+              <a:t> </a:t>
+            </a:r>
+            <a:r>
+              <a:rPr lang="en-US" altLang="zh-CN" dirty="0"/>
+              <a:t>PC</a:t>
+            </a:r>
+            <a:r>
+              <a:rPr lang="zh-CN" altLang="en-US" dirty="0"/>
+              <a:t> </a:t>
+            </a:r>
+            <a:r>
+              <a:rPr lang="en-US" altLang="zh-CN" dirty="0"/>
+              <a:t>files</a:t>
+            </a:r>
+            <a:r>
+              <a:rPr lang="zh-CN" altLang="en-US" dirty="0"/>
+              <a:t> </a:t>
+            </a:r>
+            <a:r>
+              <a:rPr lang="en-US" altLang="zh-CN" dirty="0"/>
+              <a:t>and</a:t>
+            </a:r>
+            <a:r>
+              <a:rPr lang="zh-CN" altLang="en-US" dirty="0"/>
+              <a:t> </a:t>
+            </a:r>
+            <a:r>
+              <a:rPr lang="en-US" altLang="zh-CN" dirty="0"/>
+              <a:t>there</a:t>
+            </a:r>
+            <a:r>
+              <a:rPr lang="zh-CN" altLang="en-US" dirty="0"/>
+              <a:t> </a:t>
+            </a:r>
+            <a:r>
+              <a:rPr lang="en-US" altLang="zh-CN" dirty="0"/>
+              <a:t>are</a:t>
+            </a:r>
+            <a:r>
+              <a:rPr lang="zh-CN" altLang="en-US" dirty="0"/>
+              <a:t> </a:t>
+            </a:r>
+            <a:r>
+              <a:rPr lang="en-US" altLang="zh-CN" dirty="0"/>
+              <a:t>16</a:t>
+            </a:r>
+            <a:r>
+              <a:rPr lang="zh-CN" altLang="en-US" dirty="0"/>
+              <a:t> </a:t>
+            </a:r>
+            <a:r>
+              <a:rPr lang="en-US" altLang="zh-CN" dirty="0"/>
+              <a:t>samples</a:t>
+            </a:r>
+            <a:r>
+              <a:rPr lang="zh-CN" altLang="en-US" dirty="0"/>
+              <a:t> </a:t>
+            </a:r>
+            <a:r>
+              <a:rPr lang="en-US" altLang="zh-CN" dirty="0"/>
+              <a:t>are</a:t>
+            </a:r>
+            <a:r>
+              <a:rPr lang="zh-CN" altLang="en-US" dirty="0"/>
+              <a:t> </a:t>
+            </a:r>
+            <a:r>
+              <a:rPr lang="en-US" altLang="zh-CN" dirty="0"/>
+              <a:t>missing</a:t>
+            </a:r>
+            <a:r>
+              <a:rPr lang="zh-CN" altLang="en-US" dirty="0"/>
+              <a:t> </a:t>
+            </a:r>
+            <a:r>
+              <a:rPr lang="en-US" altLang="zh-CN" dirty="0"/>
+              <a:t>in</a:t>
+            </a:r>
+            <a:r>
+              <a:rPr lang="zh-CN" altLang="en-US" dirty="0"/>
+              <a:t> </a:t>
+            </a:r>
+            <a:r>
+              <a:rPr lang="en-US" altLang="zh-CN" dirty="0"/>
+              <a:t>PC</a:t>
+            </a:r>
+            <a:r>
+              <a:rPr lang="zh-CN" altLang="en-US" dirty="0"/>
+              <a:t> </a:t>
+            </a:r>
+            <a:r>
+              <a:rPr lang="en-US" altLang="zh-CN" dirty="0"/>
+              <a:t>file</a:t>
+            </a:r>
+            <a:r>
+              <a:rPr lang="zh-CN" altLang="en-US" dirty="0"/>
+              <a:t> </a:t>
+            </a:r>
+            <a:r>
+              <a:rPr lang="en-US" altLang="zh-CN" dirty="0"/>
+              <a:t>do</a:t>
+            </a:r>
+            <a:r>
+              <a:rPr lang="zh-CN" altLang="en-US" dirty="0"/>
+              <a:t> </a:t>
+            </a:r>
+            <a:r>
+              <a:rPr lang="en-US" altLang="zh-CN" dirty="0"/>
+              <a:t>I</a:t>
+            </a:r>
+            <a:r>
+              <a:rPr lang="zh-CN" altLang="en-US" dirty="0"/>
+              <a:t> </a:t>
+            </a:r>
+            <a:r>
+              <a:rPr lang="en-US" altLang="zh-CN" dirty="0"/>
+              <a:t>need</a:t>
+            </a:r>
+            <a:r>
+              <a:rPr lang="zh-CN" altLang="en-US" dirty="0"/>
+              <a:t> </a:t>
+            </a:r>
+            <a:r>
+              <a:rPr lang="en-US" altLang="zh-CN" dirty="0"/>
+              <a:t>take</a:t>
+            </a:r>
+            <a:r>
+              <a:rPr lang="zh-CN" altLang="en-US" dirty="0"/>
+              <a:t> </a:t>
+            </a:r>
+            <a:r>
+              <a:rPr lang="en-US" altLang="zh-CN" dirty="0"/>
+              <a:t>another</a:t>
+            </a:r>
+            <a:r>
+              <a:rPr lang="zh-CN" altLang="en-US" dirty="0"/>
+              <a:t> </a:t>
+            </a:r>
+            <a:r>
+              <a:rPr lang="en-US" altLang="zh-CN" dirty="0"/>
+              <a:t>intersection</a:t>
+            </a:r>
+            <a:r>
+              <a:rPr lang="zh-CN" altLang="en-US" dirty="0"/>
+              <a:t> </a:t>
+            </a:r>
+            <a:r>
+              <a:rPr lang="en-US" altLang="zh-CN" dirty="0"/>
+              <a:t>for</a:t>
+            </a:r>
+            <a:r>
+              <a:rPr lang="zh-CN" altLang="en-US" dirty="0"/>
+              <a:t> </a:t>
+            </a:r>
+            <a:r>
+              <a:rPr lang="en-US" altLang="zh-CN" dirty="0"/>
+              <a:t>PCs?</a:t>
+            </a:r>
+            <a:r>
+              <a:rPr lang="zh-CN" altLang="en-US" dirty="0"/>
+              <a:t> </a:t>
+            </a:r>
+            <a:r>
+              <a:rPr lang="en-US" altLang="zh-CN" dirty="0"/>
+              <a:t>That</a:t>
+            </a:r>
+            <a:r>
+              <a:rPr lang="zh-CN" altLang="en-US" dirty="0"/>
+              <a:t> </a:t>
+            </a:r>
+            <a:r>
+              <a:rPr lang="en-US" altLang="zh-CN" dirty="0"/>
+              <a:t>would</a:t>
+            </a:r>
+            <a:r>
+              <a:rPr lang="zh-CN" altLang="en-US" dirty="0"/>
+              <a:t> </a:t>
+            </a:r>
+            <a:r>
+              <a:rPr lang="en-US" altLang="zh-CN" dirty="0"/>
+              <a:t>be</a:t>
+            </a:r>
+            <a:r>
+              <a:rPr lang="zh-CN" altLang="en-US" dirty="0"/>
+              <a:t> </a:t>
+            </a:r>
+            <a:r>
+              <a:rPr lang="en-US" altLang="zh-CN" dirty="0"/>
+              <a:t>973</a:t>
+            </a:r>
+            <a:r>
+              <a:rPr lang="zh-CN" altLang="en-US" dirty="0"/>
+              <a:t> </a:t>
+            </a:r>
+            <a:r>
+              <a:rPr lang="en-US" altLang="zh-CN" dirty="0"/>
+              <a:t>samples</a:t>
+            </a:r>
+            <a:r>
+              <a:rPr lang="zh-CN" altLang="en-US" dirty="0"/>
+              <a:t> </a:t>
+            </a:r>
+            <a:r>
+              <a:rPr lang="en-US" altLang="zh-CN" dirty="0"/>
+              <a:t>left</a:t>
+            </a:r>
+            <a:r>
+              <a:rPr lang="zh-CN" altLang="en-US" dirty="0"/>
+              <a:t> </a:t>
+            </a:r>
+            <a:r>
+              <a:rPr lang="en-US" altLang="zh-CN" dirty="0"/>
+              <a:t>.</a:t>
+            </a:r>
+          </a:p>
+          <a:p>
+            <a:r>
+              <a:rPr lang="en-US" altLang="zh-CN" dirty="0"/>
+              <a:t>Or</a:t>
+            </a:r>
+            <a:r>
+              <a:rPr lang="zh-CN" altLang="en-US" dirty="0"/>
+              <a:t> </a:t>
+            </a:r>
+            <a:r>
+              <a:rPr lang="en-US" altLang="zh-CN" dirty="0"/>
+              <a:t>I</a:t>
+            </a:r>
+            <a:r>
+              <a:rPr lang="zh-CN" altLang="en-US" dirty="0"/>
+              <a:t> </a:t>
+            </a:r>
+            <a:r>
+              <a:rPr lang="en-US" altLang="zh-CN" dirty="0"/>
+              <a:t>just</a:t>
+            </a:r>
+            <a:r>
+              <a:rPr lang="zh-CN" altLang="en-US" dirty="0"/>
+              <a:t> </a:t>
+            </a:r>
+            <a:r>
+              <a:rPr lang="en-US" altLang="zh-CN" dirty="0"/>
+              <a:t>control</a:t>
+            </a:r>
+            <a:r>
+              <a:rPr lang="zh-CN" altLang="en-US" dirty="0"/>
+              <a:t> </a:t>
+            </a:r>
+            <a:r>
+              <a:rPr lang="en-US" altLang="zh-CN" dirty="0"/>
+              <a:t>for</a:t>
+            </a:r>
+            <a:r>
+              <a:rPr lang="zh-CN" altLang="en-US" dirty="0"/>
+              <a:t> </a:t>
+            </a:r>
+            <a:r>
+              <a:rPr lang="en-US" altLang="zh-CN" dirty="0"/>
+              <a:t>gender</a:t>
+            </a:r>
+            <a:r>
+              <a:rPr lang="zh-CN" altLang="en-US" dirty="0"/>
+              <a:t> </a:t>
+            </a:r>
+            <a:r>
+              <a:rPr lang="en-US" altLang="zh-CN" dirty="0"/>
+              <a:t>and</a:t>
+            </a:r>
+            <a:r>
+              <a:rPr lang="zh-CN" altLang="en-US" dirty="0"/>
+              <a:t> </a:t>
+            </a:r>
+            <a:r>
+              <a:rPr lang="en-US" altLang="zh-CN" dirty="0"/>
+              <a:t>age</a:t>
+            </a:r>
+            <a:r>
+              <a:rPr lang="zh-CN" altLang="en-US" dirty="0"/>
+              <a:t> </a:t>
+            </a:r>
+            <a:r>
+              <a:rPr lang="en-US" altLang="zh-CN" dirty="0"/>
+              <a:t>only</a:t>
+            </a:r>
+            <a:r>
+              <a:rPr lang="zh-CN" altLang="en-US" dirty="0"/>
+              <a:t> </a:t>
+            </a:r>
+            <a:r>
+              <a:rPr lang="en-US" altLang="zh-CN" dirty="0"/>
+              <a:t>for</a:t>
+            </a:r>
+            <a:r>
+              <a:rPr lang="zh-CN" altLang="en-US" dirty="0"/>
+              <a:t> </a:t>
+            </a:r>
+            <a:r>
+              <a:rPr lang="en-US" altLang="zh-CN" dirty="0"/>
+              <a:t>those</a:t>
+            </a:r>
+            <a:r>
+              <a:rPr lang="zh-CN" altLang="en-US" dirty="0"/>
+              <a:t> </a:t>
+            </a:r>
+            <a:r>
+              <a:rPr lang="en-US" altLang="zh-CN" dirty="0"/>
+              <a:t>16</a:t>
+            </a:r>
+            <a:r>
+              <a:rPr lang="zh-CN" altLang="en-US" dirty="0"/>
+              <a:t> </a:t>
+            </a:r>
+            <a:r>
+              <a:rPr lang="en-US" altLang="zh-CN" dirty="0"/>
+              <a:t>samples</a:t>
+            </a:r>
+          </a:p>
+          <a:p>
+            <a:endParaRPr lang="en-US" dirty="0"/>
+          </a:p>
+        </p:txBody>
+      </p:sp>
+    </p:spTree>
+    <p:extLst>
+      <p:ext uri="{BB962C8B-B14F-4D97-AF65-F5344CB8AC3E}">
+        <p14:creationId xmlns:p14="http://schemas.microsoft.com/office/powerpoint/2010/main" val="895781902"/>
+      </p:ext>
+    </p:extLst>
+  </p:cSld>
+  <p:clrMapOvr>
+    <a:masterClrMapping/>
+  </p:clrMapOvr>
+</p:sld>
+</file>
+
+<file path=ppt/slides/slide11.xml><?xml version="1.0" encoding="utf-8"?>
+<p:sld xmlns:a="http://schemas.openxmlformats.org/drawingml/2006/main" xmlns:r="http://schemas.openxmlformats.org/officeDocument/2006/relationships" xmlns:p="http://schemas.openxmlformats.org/presentationml/2006/main">
+  <p:cSld>
+    <p:bg>
+      <p:bgPr>
+        <a:solidFill>
+          <a:schemeClr val="bg1"/>
+        </a:solidFill>
+        <a:effectLst/>
+      </p:bgPr>
+    </p:bg>
+    <p:spTree>
+      <p:nvGrpSpPr>
+        <p:cNvPr id="1" name=""/>
+        <p:cNvGrpSpPr/>
+        <p:nvPr/>
+      </p:nvGrpSpPr>
+      <p:grpSpPr>
+        <a:xfrm>
+          <a:off x="0" y="0"/>
+          <a:ext cx="0" cy="0"/>
+          <a:chOff x="0" y="0"/>
+          <a:chExt cx="0" cy="0"/>
+        </a:xfrm>
+      </p:grpSpPr>
+      <p:sp>
+        <p:nvSpPr>
+          <p:cNvPr id="2" name="Title 1">
+            <a:extLst>
+              <a:ext uri="{FF2B5EF4-FFF2-40B4-BE49-F238E27FC236}">
+                <a16:creationId xmlns:a16="http://schemas.microsoft.com/office/drawing/2014/main" id="{51DEC28B-F150-3F49-8E1B-C743131A03BE}"/>
+              </a:ext>
+            </a:extLst>
+          </p:cNvPr>
+          <p:cNvSpPr>
+            <a:spLocks noGrp="1"/>
+          </p:cNvSpPr>
+          <p:nvPr>
+            <p:ph type="title"/>
+          </p:nvPr>
+        </p:nvSpPr>
+        <p:spPr>
+          <a:xfrm>
+            <a:off x="648929" y="629266"/>
+            <a:ext cx="5127031" cy="1676603"/>
+          </a:xfrm>
+        </p:spPr>
+        <p:txBody>
+          <a:bodyPr>
+            <a:normAutofit/>
+          </a:bodyPr>
+          <a:lstStyle/>
+          <a:p>
+            <a:r>
+              <a:rPr lang="en-US" altLang="zh-CN" dirty="0"/>
+              <a:t>Rerun</a:t>
+            </a:r>
+            <a:r>
+              <a:rPr lang="zh-CN" altLang="en-US" dirty="0"/>
+              <a:t> </a:t>
+            </a:r>
+            <a:r>
+              <a:rPr lang="en-US" altLang="zh-CN" dirty="0"/>
+              <a:t>SNPs</a:t>
+            </a:r>
+            <a:r>
+              <a:rPr lang="zh-CN" altLang="en-US" dirty="0"/>
+              <a:t> </a:t>
+            </a:r>
+            <a:r>
+              <a:rPr lang="en-US" altLang="zh-CN" dirty="0"/>
+              <a:t>extraction</a:t>
+            </a:r>
+            <a:endParaRPr lang="en-US" dirty="0"/>
+          </a:p>
+        </p:txBody>
+      </p:sp>
+      <p:sp>
+        <p:nvSpPr>
+          <p:cNvPr id="3" name="Content Placeholder 2">
+            <a:extLst>
+              <a:ext uri="{FF2B5EF4-FFF2-40B4-BE49-F238E27FC236}">
+                <a16:creationId xmlns:a16="http://schemas.microsoft.com/office/drawing/2014/main" id="{7EDBDE08-F302-8445-BC42-54069D53126F}"/>
+              </a:ext>
+            </a:extLst>
+          </p:cNvPr>
+          <p:cNvSpPr>
+            <a:spLocks noGrp="1"/>
+          </p:cNvSpPr>
+          <p:nvPr>
+            <p:ph idx="1"/>
+          </p:nvPr>
+        </p:nvSpPr>
+        <p:spPr>
+          <a:xfrm>
+            <a:off x="648930" y="2438400"/>
+            <a:ext cx="5127029" cy="3785419"/>
+          </a:xfrm>
+        </p:spPr>
+        <p:txBody>
+          <a:bodyPr>
+            <a:normAutofit/>
+          </a:bodyPr>
+          <a:lstStyle/>
+          <a:p>
+            <a:r>
+              <a:rPr lang="en-US" altLang="zh-CN" sz="2600"/>
+              <a:t>Take</a:t>
+            </a:r>
+            <a:r>
+              <a:rPr lang="zh-CN" altLang="en-US" sz="2600"/>
+              <a:t> </a:t>
+            </a:r>
+            <a:r>
+              <a:rPr lang="en-US" altLang="zh-CN" sz="2600"/>
+              <a:t>intersection</a:t>
+            </a:r>
+            <a:r>
+              <a:rPr lang="zh-CN" altLang="en-US" sz="2600"/>
+              <a:t> </a:t>
+            </a:r>
+            <a:r>
+              <a:rPr lang="en-US" altLang="zh-CN" sz="2600"/>
+              <a:t>among</a:t>
+            </a:r>
+            <a:r>
+              <a:rPr lang="zh-CN" altLang="en-US" sz="2600"/>
+              <a:t> </a:t>
+            </a:r>
+            <a:r>
+              <a:rPr lang="en-US" altLang="zh-CN" sz="2600"/>
+              <a:t>SNPs</a:t>
+            </a:r>
+            <a:r>
+              <a:rPr lang="zh-CN" altLang="en-US" sz="2600"/>
+              <a:t> </a:t>
+            </a:r>
+            <a:r>
+              <a:rPr lang="en-US" altLang="zh-CN" sz="2600"/>
+              <a:t>1599</a:t>
+            </a:r>
+            <a:r>
+              <a:rPr lang="zh-CN" altLang="en-US" sz="2600"/>
+              <a:t> </a:t>
+            </a:r>
+            <a:r>
+              <a:rPr lang="en-US" altLang="zh-CN" sz="2600"/>
+              <a:t>SNPs</a:t>
+            </a:r>
+            <a:r>
+              <a:rPr lang="zh-CN" altLang="en-US" sz="2600"/>
+              <a:t> </a:t>
+            </a:r>
+            <a:r>
+              <a:rPr lang="en-US" altLang="zh-CN" sz="2600"/>
+              <a:t>1532</a:t>
+            </a:r>
+            <a:r>
+              <a:rPr lang="zh-CN" altLang="en-US" sz="2600"/>
+              <a:t> </a:t>
+            </a:r>
+            <a:r>
+              <a:rPr lang="en-US" altLang="zh-CN" sz="2600"/>
+              <a:t>and</a:t>
+            </a:r>
+            <a:r>
+              <a:rPr lang="zh-CN" altLang="en-US" sz="2600"/>
+              <a:t> </a:t>
+            </a:r>
+            <a:r>
+              <a:rPr lang="en-US" altLang="zh-CN" sz="2600" err="1"/>
+              <a:t>gene_expression</a:t>
+            </a:r>
+            <a:r>
+              <a:rPr lang="zh-CN" altLang="en-US" sz="2600"/>
+              <a:t> </a:t>
+            </a:r>
+            <a:r>
+              <a:rPr lang="en-US" altLang="zh-CN" sz="2600"/>
+              <a:t>1206,</a:t>
+            </a:r>
+            <a:r>
+              <a:rPr lang="zh-CN" altLang="en-US" sz="2600"/>
+              <a:t> </a:t>
+            </a:r>
+            <a:r>
+              <a:rPr lang="en-US" altLang="zh-CN" sz="2600"/>
+              <a:t>finally</a:t>
+            </a:r>
+            <a:r>
+              <a:rPr lang="zh-CN" altLang="en-US" sz="2600"/>
+              <a:t> </a:t>
+            </a:r>
+            <a:r>
+              <a:rPr lang="en-US" altLang="zh-CN" sz="2600"/>
+              <a:t>got</a:t>
+            </a:r>
+            <a:r>
+              <a:rPr lang="zh-CN" altLang="en-US" sz="2600"/>
+              <a:t> </a:t>
+            </a:r>
+            <a:r>
+              <a:rPr lang="en-US" altLang="zh-CN" sz="2600"/>
+              <a:t>973</a:t>
+            </a:r>
+            <a:r>
+              <a:rPr lang="zh-CN" altLang="en-US" sz="2600"/>
+              <a:t> </a:t>
+            </a:r>
+            <a:r>
+              <a:rPr lang="en-US" altLang="zh-CN" sz="2600"/>
+              <a:t>common</a:t>
+            </a:r>
+            <a:r>
+              <a:rPr lang="zh-CN" altLang="en-US" sz="2600"/>
+              <a:t> </a:t>
+            </a:r>
+            <a:r>
+              <a:rPr lang="en-US" altLang="zh-CN" sz="2600"/>
+              <a:t>samples</a:t>
+            </a:r>
+            <a:r>
+              <a:rPr lang="zh-CN" altLang="en-US" sz="2600"/>
+              <a:t> </a:t>
+            </a:r>
+            <a:r>
+              <a:rPr lang="en-US" altLang="zh-CN" sz="2600"/>
+              <a:t>to</a:t>
+            </a:r>
+            <a:r>
+              <a:rPr lang="zh-CN" altLang="en-US" sz="2600"/>
+              <a:t> </a:t>
+            </a:r>
+            <a:r>
+              <a:rPr lang="en-US" altLang="zh-CN" sz="2600"/>
+              <a:t>do</a:t>
+            </a:r>
+            <a:r>
+              <a:rPr lang="zh-CN" altLang="en-US" sz="2600"/>
+              <a:t> </a:t>
+            </a:r>
+            <a:r>
+              <a:rPr lang="en-US" altLang="zh-CN" sz="2600"/>
+              <a:t>analysis</a:t>
+            </a:r>
+          </a:p>
+          <a:p>
+            <a:r>
+              <a:rPr lang="en-US" altLang="zh-CN" sz="2600"/>
+              <a:t>Rerun</a:t>
+            </a:r>
+            <a:r>
+              <a:rPr lang="zh-CN" altLang="en-US" sz="2600"/>
+              <a:t> </a:t>
+            </a:r>
+            <a:r>
+              <a:rPr lang="en-US" altLang="zh-CN" sz="2600"/>
+              <a:t>SNPs</a:t>
+            </a:r>
+            <a:r>
+              <a:rPr lang="zh-CN" altLang="en-US" sz="2600"/>
+              <a:t> </a:t>
+            </a:r>
+            <a:r>
+              <a:rPr lang="en-US" altLang="zh-CN" sz="2600"/>
+              <a:t>extraction</a:t>
+            </a:r>
+            <a:r>
+              <a:rPr lang="zh-CN" altLang="en-US" sz="2600"/>
+              <a:t> </a:t>
+            </a:r>
+            <a:r>
+              <a:rPr lang="en-US" altLang="zh-CN" sz="2600"/>
+              <a:t>to</a:t>
+            </a:r>
+            <a:r>
+              <a:rPr lang="zh-CN" altLang="en-US" sz="2600"/>
+              <a:t> </a:t>
+            </a:r>
+            <a:r>
+              <a:rPr lang="en-US" altLang="zh-CN" sz="2600"/>
+              <a:t>get</a:t>
+            </a:r>
+            <a:r>
+              <a:rPr lang="zh-CN" altLang="en-US" sz="2600"/>
+              <a:t> </a:t>
+            </a:r>
+            <a:r>
+              <a:rPr lang="en-US" altLang="zh-CN" sz="2600"/>
+              <a:t>the</a:t>
+            </a:r>
+            <a:r>
+              <a:rPr lang="zh-CN" altLang="en-US" sz="2600"/>
+              <a:t> </a:t>
+            </a:r>
+            <a:r>
+              <a:rPr lang="en-US" altLang="zh-CN" sz="2600" err="1"/>
+              <a:t>bimbam</a:t>
+            </a:r>
+            <a:r>
+              <a:rPr lang="zh-CN" altLang="en-US" sz="2600"/>
+              <a:t> </a:t>
+            </a:r>
+            <a:r>
+              <a:rPr lang="en-US" altLang="zh-CN" sz="2600"/>
+              <a:t>file</a:t>
+            </a:r>
+            <a:r>
+              <a:rPr lang="zh-CN" altLang="en-US" sz="2600"/>
+              <a:t> </a:t>
+            </a:r>
+            <a:r>
+              <a:rPr lang="en-US" altLang="zh-CN" sz="2600"/>
+              <a:t>based</a:t>
+            </a:r>
+            <a:r>
+              <a:rPr lang="zh-CN" altLang="en-US" sz="2600"/>
+              <a:t> </a:t>
+            </a:r>
+            <a:r>
+              <a:rPr lang="en-US" altLang="zh-CN" sz="2600"/>
+              <a:t>on</a:t>
+            </a:r>
+            <a:r>
+              <a:rPr lang="zh-CN" altLang="en-US" sz="2600"/>
+              <a:t> </a:t>
+            </a:r>
+            <a:r>
+              <a:rPr lang="en-US" altLang="zh-CN" sz="2600"/>
+              <a:t>973</a:t>
+            </a:r>
+            <a:r>
+              <a:rPr lang="zh-CN" altLang="en-US" sz="2600"/>
+              <a:t> </a:t>
+            </a:r>
+            <a:r>
+              <a:rPr lang="en-US" altLang="zh-CN" sz="2600"/>
+              <a:t>samples</a:t>
+            </a:r>
+          </a:p>
+          <a:p>
+            <a:pPr marL="0" indent="0">
+              <a:buNone/>
+            </a:pPr>
+            <a:r>
+              <a:rPr lang="en-US" altLang="zh-CN" sz="2600"/>
+              <a:t>Got</a:t>
+            </a:r>
+            <a:r>
+              <a:rPr lang="zh-CN" altLang="en-US" sz="2600"/>
+              <a:t> </a:t>
+            </a:r>
+            <a:r>
+              <a:rPr lang="en-US" altLang="zh-CN" sz="2600"/>
+              <a:t>the</a:t>
+            </a:r>
+            <a:r>
+              <a:rPr lang="zh-CN" altLang="en-US" sz="2600"/>
+              <a:t> </a:t>
+            </a:r>
+            <a:r>
+              <a:rPr lang="en-US" altLang="zh-CN" sz="2600"/>
+              <a:t>summary</a:t>
+            </a:r>
+            <a:r>
+              <a:rPr lang="zh-CN" altLang="en-US" sz="2600"/>
+              <a:t> </a:t>
+            </a:r>
+            <a:r>
+              <a:rPr lang="en-US" altLang="zh-CN" sz="2600"/>
+              <a:t>statistics</a:t>
+            </a:r>
+            <a:r>
+              <a:rPr lang="zh-CN" altLang="en-US" sz="2600"/>
+              <a:t> </a:t>
+            </a:r>
+            <a:r>
+              <a:rPr lang="en-US" altLang="zh-CN" sz="2600"/>
+              <a:t>about</a:t>
+            </a:r>
+            <a:r>
+              <a:rPr lang="zh-CN" altLang="en-US" sz="2600"/>
+              <a:t> </a:t>
+            </a:r>
+            <a:r>
+              <a:rPr lang="en-US" altLang="zh-CN" sz="2600"/>
+              <a:t>the</a:t>
+            </a:r>
+            <a:r>
+              <a:rPr lang="zh-CN" altLang="en-US" sz="2600"/>
+              <a:t> </a:t>
+            </a:r>
+            <a:r>
+              <a:rPr lang="en-US" altLang="zh-CN" sz="2600"/>
+              <a:t>SNPs</a:t>
+            </a:r>
+            <a:r>
+              <a:rPr lang="zh-CN" altLang="en-US" sz="2600"/>
+              <a:t> </a:t>
+            </a:r>
+            <a:r>
+              <a:rPr lang="en-US" altLang="zh-CN" sz="2600"/>
+              <a:t>results</a:t>
+            </a:r>
+          </a:p>
+          <a:p>
+            <a:endParaRPr lang="en-US" altLang="zh-CN" sz="2600"/>
+          </a:p>
+          <a:p>
+            <a:pPr marL="0" indent="0">
+              <a:buNone/>
+            </a:pPr>
+            <a:endParaRPr lang="en-US" altLang="zh-CN" sz="2600"/>
+          </a:p>
+        </p:txBody>
+      </p:sp>
+      <p:pic>
+        <p:nvPicPr>
+          <p:cNvPr id="5" name="Picture 4" descr="A white sign with black text&#10;&#10;Description automatically generated">
+            <a:extLst>
+              <a:ext uri="{FF2B5EF4-FFF2-40B4-BE49-F238E27FC236}">
+                <a16:creationId xmlns:a16="http://schemas.microsoft.com/office/drawing/2014/main" id="{2E2BF449-0F9F-D24A-B765-7A464644A4DE}"/>
+              </a:ext>
+            </a:extLst>
+          </p:cNvPr>
+          <p:cNvPicPr>
+            <a:picLocks noChangeAspect="1"/>
+          </p:cNvPicPr>
+          <p:nvPr/>
+        </p:nvPicPr>
+        <p:blipFill rotWithShape="1">
+          <a:blip r:embed="rId2"/>
+          <a:srcRect r="1259"/>
+          <a:stretch/>
+        </p:blipFill>
+        <p:spPr>
+          <a:xfrm>
+            <a:off x="6866117" y="1536290"/>
+            <a:ext cx="3706619" cy="3785420"/>
+          </a:xfrm>
+          <a:prstGeom prst="rect">
+            <a:avLst/>
+          </a:prstGeom>
+          <a:effectLst/>
+        </p:spPr>
+      </p:pic>
+    </p:spTree>
+    <p:extLst>
+      <p:ext uri="{BB962C8B-B14F-4D97-AF65-F5344CB8AC3E}">
+        <p14:creationId xmlns:p14="http://schemas.microsoft.com/office/powerpoint/2010/main" val="380465541"/>
+      </p:ext>
+    </p:extLst>
+  </p:cSld>
+  <p:clrMapOvr>
+    <a:masterClrMapping/>
+  </p:clrMapOvr>
+</p:sld>
+</file>
+
+<file path=ppt/slides/slide12.xml><?xml version="1.0" encoding="utf-8"?>
+<p:sld xmlns:a="http://schemas.openxmlformats.org/drawingml/2006/main" xmlns:r="http://schemas.openxmlformats.org/officeDocument/2006/relationships" xmlns:p="http://schemas.openxmlformats.org/presentationml/2006/main">
+  <p:cSld>
+    <p:spTree>
+      <p:nvGrpSpPr>
+        <p:cNvPr id="1" name=""/>
+        <p:cNvGrpSpPr/>
+        <p:nvPr/>
+      </p:nvGrpSpPr>
+      <p:grpSpPr>
+        <a:xfrm>
+          <a:off x="0" y="0"/>
+          <a:ext cx="0" cy="0"/>
+          <a:chOff x="0" y="0"/>
+          <a:chExt cx="0" cy="0"/>
+        </a:xfrm>
+      </p:grpSpPr>
+      <p:sp>
+        <p:nvSpPr>
+          <p:cNvPr id="2" name="Title 1">
+            <a:extLst>
+              <a:ext uri="{FF2B5EF4-FFF2-40B4-BE49-F238E27FC236}">
+                <a16:creationId xmlns:a16="http://schemas.microsoft.com/office/drawing/2014/main" id="{DA356176-97DC-3044-BA06-557F04AE9ECE}"/>
+              </a:ext>
+            </a:extLst>
+          </p:cNvPr>
+          <p:cNvSpPr>
+            <a:spLocks noGrp="1"/>
+          </p:cNvSpPr>
+          <p:nvPr>
+            <p:ph type="title"/>
+          </p:nvPr>
+        </p:nvSpPr>
+        <p:spPr/>
+        <p:txBody>
+          <a:bodyPr/>
+          <a:lstStyle/>
+          <a:p>
+            <a:r>
+              <a:rPr lang="en-US" altLang="zh-CN" dirty="0"/>
+              <a:t>Prepare</a:t>
+            </a:r>
+            <a:r>
+              <a:rPr lang="zh-CN" altLang="en-US" dirty="0"/>
+              <a:t> </a:t>
+            </a:r>
+            <a:r>
+              <a:rPr lang="en-US" altLang="zh-CN" dirty="0"/>
+              <a:t>input</a:t>
+            </a:r>
+            <a:r>
+              <a:rPr lang="zh-CN" altLang="en-US" dirty="0"/>
+              <a:t> </a:t>
+            </a:r>
+            <a:r>
+              <a:rPr lang="en-US" altLang="zh-CN" dirty="0"/>
+              <a:t>file</a:t>
+            </a:r>
+            <a:r>
+              <a:rPr lang="zh-CN" altLang="en-US" dirty="0"/>
+              <a:t> </a:t>
+            </a:r>
+            <a:r>
+              <a:rPr lang="en-US" altLang="zh-CN" dirty="0"/>
+              <a:t>of</a:t>
+            </a:r>
+            <a:r>
+              <a:rPr lang="zh-CN" altLang="en-US" dirty="0"/>
+              <a:t> </a:t>
+            </a:r>
+            <a:r>
+              <a:rPr lang="en-US" altLang="zh-CN" dirty="0"/>
+              <a:t>BSLMM</a:t>
+            </a:r>
+            <a:endParaRPr lang="en-US" dirty="0"/>
+          </a:p>
+        </p:txBody>
+      </p:sp>
+      <p:sp>
+        <p:nvSpPr>
+          <p:cNvPr id="3" name="Content Placeholder 2">
+            <a:extLst>
+              <a:ext uri="{FF2B5EF4-FFF2-40B4-BE49-F238E27FC236}">
+                <a16:creationId xmlns:a16="http://schemas.microsoft.com/office/drawing/2014/main" id="{EA5868A6-C13B-6E4C-86FD-F96B7F6B212B}"/>
+              </a:ext>
+            </a:extLst>
+          </p:cNvPr>
+          <p:cNvSpPr>
+            <a:spLocks noGrp="1"/>
+          </p:cNvSpPr>
+          <p:nvPr>
+            <p:ph idx="1"/>
+          </p:nvPr>
+        </p:nvSpPr>
+        <p:spPr/>
+        <p:txBody>
+          <a:bodyPr/>
+          <a:lstStyle/>
+          <a:p>
+            <a:r>
+              <a:rPr lang="en-US" altLang="zh-CN" dirty="0"/>
+              <a:t>Did</a:t>
+            </a:r>
+            <a:r>
+              <a:rPr lang="zh-CN" altLang="en-US" dirty="0"/>
+              <a:t> </a:t>
+            </a:r>
+            <a:r>
+              <a:rPr lang="en-US" altLang="zh-CN" dirty="0"/>
+              <a:t>the</a:t>
+            </a:r>
+            <a:r>
+              <a:rPr lang="zh-CN" altLang="en-US" dirty="0"/>
+              <a:t> </a:t>
+            </a:r>
+            <a:r>
+              <a:rPr lang="en-US" altLang="zh-CN" dirty="0"/>
+              <a:t>variables</a:t>
+            </a:r>
+            <a:r>
+              <a:rPr lang="zh-CN" altLang="en-US" dirty="0"/>
+              <a:t> </a:t>
+            </a:r>
+            <a:r>
+              <a:rPr lang="en-US" altLang="zh-CN" dirty="0"/>
+              <a:t>control</a:t>
+            </a:r>
+            <a:r>
+              <a:rPr lang="zh-CN" altLang="en-US" dirty="0"/>
+              <a:t> </a:t>
+            </a:r>
+            <a:r>
+              <a:rPr lang="en-US" altLang="zh-CN" dirty="0"/>
+              <a:t>by</a:t>
+            </a:r>
+            <a:r>
+              <a:rPr lang="en-US" dirty="0"/>
+              <a:t> </a:t>
+            </a:r>
+          </a:p>
+          <a:p>
+            <a:r>
+              <a:rPr lang="en-US" dirty="0"/>
+              <a:t>mod </a:t>
+            </a:r>
+            <a:r>
+              <a:rPr lang="en-US" altLang="zh-CN" dirty="0"/>
+              <a:t>=</a:t>
+            </a:r>
+            <a:r>
+              <a:rPr lang="zh-CN" altLang="en-US" dirty="0"/>
+              <a:t> </a:t>
+            </a:r>
+            <a:r>
+              <a:rPr lang="en-US" altLang="zh-CN" dirty="0" err="1"/>
+              <a:t>gene_ex</a:t>
+            </a:r>
+            <a:r>
+              <a:rPr lang="en-US" dirty="0"/>
+              <a:t> ~ age +gender +PC1+PC2+PC3+PC4+PC5</a:t>
+            </a:r>
+            <a:r>
+              <a:rPr lang="zh-CN" altLang="en-US" dirty="0"/>
+              <a:t> </a:t>
+            </a:r>
+            <a:endParaRPr lang="en-US" altLang="zh-CN" dirty="0"/>
+          </a:p>
+          <a:p>
+            <a:r>
+              <a:rPr lang="en-US" altLang="zh-CN" dirty="0"/>
+              <a:t>got</a:t>
+            </a:r>
+            <a:r>
+              <a:rPr lang="zh-CN" altLang="en-US" dirty="0"/>
+              <a:t> </a:t>
+            </a:r>
+            <a:r>
+              <a:rPr lang="en-US" altLang="zh-CN" dirty="0"/>
+              <a:t>the</a:t>
+            </a:r>
+            <a:r>
+              <a:rPr lang="zh-CN" altLang="en-US" dirty="0"/>
+              <a:t> </a:t>
+            </a:r>
+            <a:r>
+              <a:rPr lang="en-US" altLang="zh-CN" dirty="0"/>
+              <a:t>residuals</a:t>
+            </a:r>
+            <a:r>
+              <a:rPr lang="zh-CN" altLang="en-US" dirty="0"/>
+              <a:t> </a:t>
+            </a:r>
+            <a:r>
+              <a:rPr lang="en-US" altLang="zh-CN" dirty="0"/>
+              <a:t>along</a:t>
+            </a:r>
+            <a:r>
+              <a:rPr lang="zh-CN" altLang="en-US" dirty="0"/>
+              <a:t> </a:t>
+            </a:r>
+            <a:r>
+              <a:rPr lang="en-US" altLang="zh-CN" dirty="0"/>
+              <a:t>with</a:t>
+            </a:r>
+            <a:r>
+              <a:rPr lang="zh-CN" altLang="en-US" dirty="0"/>
+              <a:t> </a:t>
+            </a:r>
+            <a:r>
+              <a:rPr lang="en-US" altLang="zh-CN" dirty="0"/>
+              <a:t>kinship</a:t>
+            </a:r>
+            <a:r>
+              <a:rPr lang="zh-CN" altLang="en-US" dirty="0"/>
+              <a:t> </a:t>
+            </a:r>
+            <a:r>
+              <a:rPr lang="en-US" altLang="zh-CN" dirty="0"/>
+              <a:t>matrix</a:t>
+            </a:r>
+            <a:r>
+              <a:rPr lang="zh-CN" altLang="en-US" dirty="0"/>
+              <a:t> </a:t>
+            </a:r>
+            <a:r>
+              <a:rPr lang="en-US" altLang="zh-CN" dirty="0"/>
+              <a:t>to</a:t>
+            </a:r>
+            <a:r>
+              <a:rPr lang="zh-CN" altLang="en-US" dirty="0"/>
+              <a:t> </a:t>
+            </a:r>
+            <a:r>
+              <a:rPr lang="en-US" altLang="zh-CN" dirty="0"/>
+              <a:t>fit</a:t>
+            </a:r>
+            <a:r>
+              <a:rPr lang="zh-CN" altLang="en-US" dirty="0"/>
+              <a:t> </a:t>
+            </a:r>
+            <a:r>
+              <a:rPr lang="en-US" altLang="zh-CN" dirty="0"/>
+              <a:t>BSLMM</a:t>
+            </a:r>
+            <a:r>
+              <a:rPr lang="zh-CN" altLang="en-US" dirty="0"/>
+              <a:t> </a:t>
+            </a:r>
+            <a:r>
+              <a:rPr lang="en-US" altLang="zh-CN" dirty="0"/>
+              <a:t>model</a:t>
+            </a:r>
+          </a:p>
+          <a:p>
+            <a:r>
+              <a:rPr lang="en-US" altLang="zh-CN" dirty="0"/>
+              <a:t>Finished</a:t>
+            </a:r>
+            <a:r>
+              <a:rPr lang="zh-CN" altLang="en-US" dirty="0"/>
+              <a:t> </a:t>
+            </a:r>
+            <a:r>
+              <a:rPr lang="en-US" altLang="zh-CN" dirty="0"/>
+              <a:t>chr1</a:t>
+            </a:r>
+          </a:p>
+          <a:p>
+            <a:r>
+              <a:rPr lang="en-US" altLang="zh-CN" dirty="0"/>
+              <a:t>About</a:t>
+            </a:r>
+            <a:r>
+              <a:rPr lang="zh-CN" altLang="en-US" dirty="0"/>
+              <a:t> </a:t>
+            </a:r>
+            <a:r>
+              <a:rPr lang="en-US" altLang="zh-CN" dirty="0"/>
+              <a:t>4-5</a:t>
+            </a:r>
+            <a:r>
+              <a:rPr lang="zh-CN" altLang="en-US" dirty="0"/>
+              <a:t> </a:t>
+            </a:r>
+            <a:r>
+              <a:rPr lang="en-US" altLang="zh-CN" dirty="0"/>
+              <a:t>hours</a:t>
+            </a:r>
+            <a:r>
+              <a:rPr lang="zh-CN" altLang="en-US" dirty="0"/>
+              <a:t> </a:t>
+            </a:r>
+            <a:r>
+              <a:rPr lang="en-US" altLang="zh-CN" dirty="0"/>
+              <a:t>per</a:t>
+            </a:r>
+            <a:r>
+              <a:rPr lang="zh-CN" altLang="en-US" dirty="0"/>
+              <a:t> </a:t>
+            </a:r>
+            <a:r>
+              <a:rPr lang="en-US" altLang="zh-CN" dirty="0"/>
+              <a:t>one</a:t>
+            </a:r>
+            <a:r>
+              <a:rPr lang="zh-CN" altLang="en-US" dirty="0"/>
+              <a:t> </a:t>
+            </a:r>
+            <a:r>
+              <a:rPr lang="en-US" altLang="zh-CN"/>
+              <a:t>chromosome</a:t>
+            </a:r>
+            <a:endParaRPr lang="en-US" altLang="zh-CN" dirty="0"/>
+          </a:p>
+          <a:p>
+            <a:endParaRPr lang="en-US" dirty="0"/>
+          </a:p>
+        </p:txBody>
+      </p:sp>
+    </p:spTree>
+    <p:extLst>
+      <p:ext uri="{BB962C8B-B14F-4D97-AF65-F5344CB8AC3E}">
+        <p14:creationId xmlns:p14="http://schemas.microsoft.com/office/powerpoint/2010/main" val="1836360339"/>
       </p:ext>
     </p:extLst>
   </p:cSld>
@@ -4498,8 +5786,8 @@
           </a:p>
         </p:txBody>
       </p:sp>
-      <mc:AlternateContent xmlns:mc="http://schemas.openxmlformats.org/markup-compatibility/2006">
-        <mc:Choice xmlns:p14="http://schemas.microsoft.com/office/powerpoint/2010/main" Requires="p14">
+      <mc:AlternateContent xmlns:mc="http://schemas.openxmlformats.org/markup-compatibility/2006" xmlns:p14="http://schemas.microsoft.com/office/powerpoint/2010/main">
+        <mc:Choice Requires="p14">
           <p:contentPart p14:bwMode="auto" r:id="rId2">
             <p14:nvContentPartPr>
               <p14:cNvPr id="6" name="Ink 5">
@@ -4518,7 +5806,7 @@
             </p14:xfrm>
           </p:contentPart>
         </mc:Choice>
-        <mc:Fallback>
+        <mc:Fallback xmlns="">
           <p:pic>
             <p:nvPicPr>
               <p:cNvPr id="6" name="Ink 5">
@@ -4549,8 +5837,8 @@
           </p:pic>
         </mc:Fallback>
       </mc:AlternateContent>
-      <mc:AlternateContent xmlns:mc="http://schemas.openxmlformats.org/markup-compatibility/2006">
-        <mc:Choice xmlns:p14="http://schemas.microsoft.com/office/powerpoint/2010/main" Requires="p14">
+      <mc:AlternateContent xmlns:mc="http://schemas.openxmlformats.org/markup-compatibility/2006" xmlns:p14="http://schemas.microsoft.com/office/powerpoint/2010/main">
+        <mc:Choice Requires="p14">
           <p:contentPart p14:bwMode="auto" r:id="rId4">
             <p14:nvContentPartPr>
               <p14:cNvPr id="8" name="Ink 7">
@@ -4569,7 +5857,7 @@
             </p14:xfrm>
           </p:contentPart>
         </mc:Choice>
-        <mc:Fallback>
+        <mc:Fallback xmlns="">
           <p:pic>
             <p:nvPicPr>
               <p:cNvPr id="8" name="Ink 7">
@@ -4630,8 +5918,8 @@
           </a:prstGeom>
         </p:spPr>
       </p:pic>
-      <mc:AlternateContent xmlns:mc="http://schemas.openxmlformats.org/markup-compatibility/2006">
-        <mc:Choice xmlns:p14="http://schemas.microsoft.com/office/powerpoint/2010/main" Requires="p14">
+      <mc:AlternateContent xmlns:mc="http://schemas.openxmlformats.org/markup-compatibility/2006" xmlns:p14="http://schemas.microsoft.com/office/powerpoint/2010/main">
+        <mc:Choice Requires="p14">
           <p:contentPart p14:bwMode="auto" r:id="rId7">
             <p14:nvContentPartPr>
               <p14:cNvPr id="15" name="Ink 14">
@@ -4650,7 +5938,7 @@
             </p14:xfrm>
           </p:contentPart>
         </mc:Choice>
-        <mc:Fallback>
+        <mc:Fallback xmlns="">
           <p:pic>
             <p:nvPicPr>
               <p:cNvPr id="15" name="Ink 14">
@@ -4681,8 +5969,8 @@
           </p:pic>
         </mc:Fallback>
       </mc:AlternateContent>
-      <mc:AlternateContent xmlns:mc="http://schemas.openxmlformats.org/markup-compatibility/2006">
-        <mc:Choice xmlns:p14="http://schemas.microsoft.com/office/powerpoint/2010/main" Requires="p14">
+      <mc:AlternateContent xmlns:mc="http://schemas.openxmlformats.org/markup-compatibility/2006" xmlns:p14="http://schemas.microsoft.com/office/powerpoint/2010/main">
+        <mc:Choice Requires="p14">
           <p:contentPart p14:bwMode="auto" r:id="rId9">
             <p14:nvContentPartPr>
               <p14:cNvPr id="16" name="Ink 15">
@@ -4701,7 +5989,7 @@
             </p14:xfrm>
           </p:contentPart>
         </mc:Choice>
-        <mc:Fallback>
+        <mc:Fallback xmlns="">
           <p:pic>
             <p:nvPicPr>
               <p:cNvPr id="16" name="Ink 15">
@@ -4732,8 +6020,8 @@
           </p:pic>
         </mc:Fallback>
       </mc:AlternateContent>
-      <mc:AlternateContent xmlns:mc="http://schemas.openxmlformats.org/markup-compatibility/2006">
-        <mc:Choice xmlns:p14="http://schemas.microsoft.com/office/powerpoint/2010/main" Requires="p14">
+      <mc:AlternateContent xmlns:mc="http://schemas.openxmlformats.org/markup-compatibility/2006" xmlns:p14="http://schemas.microsoft.com/office/powerpoint/2010/main">
+        <mc:Choice Requires="p14">
           <p:contentPart p14:bwMode="auto" r:id="rId11">
             <p14:nvContentPartPr>
               <p14:cNvPr id="18" name="Ink 17">
@@ -4752,7 +6040,7 @@
             </p14:xfrm>
           </p:contentPart>
         </mc:Choice>
-        <mc:Fallback>
+        <mc:Fallback xmlns="">
           <p:pic>
             <p:nvPicPr>
               <p:cNvPr id="18" name="Ink 17">
@@ -4783,8 +6071,8 @@
           </p:pic>
         </mc:Fallback>
       </mc:AlternateContent>
-      <mc:AlternateContent xmlns:mc="http://schemas.openxmlformats.org/markup-compatibility/2006">
-        <mc:Choice xmlns:p14="http://schemas.microsoft.com/office/powerpoint/2010/main" Requires="p14">
+      <mc:AlternateContent xmlns:mc="http://schemas.openxmlformats.org/markup-compatibility/2006" xmlns:p14="http://schemas.microsoft.com/office/powerpoint/2010/main">
+        <mc:Choice Requires="p14">
           <p:contentPart p14:bwMode="auto" r:id="rId12">
             <p14:nvContentPartPr>
               <p14:cNvPr id="19" name="Ink 18">
@@ -4803,7 +6091,7 @@
             </p14:xfrm>
           </p:contentPart>
         </mc:Choice>
-        <mc:Fallback>
+        <mc:Fallback xmlns="">
           <p:pic>
             <p:nvPicPr>
               <p:cNvPr id="19" name="Ink 18">
@@ -4834,8 +6122,8 @@
           </p:pic>
         </mc:Fallback>
       </mc:AlternateContent>
-      <mc:AlternateContent xmlns:mc="http://schemas.openxmlformats.org/markup-compatibility/2006">
-        <mc:Choice xmlns:p14="http://schemas.microsoft.com/office/powerpoint/2010/main" Requires="p14">
+      <mc:AlternateContent xmlns:mc="http://schemas.openxmlformats.org/markup-compatibility/2006" xmlns:p14="http://schemas.microsoft.com/office/powerpoint/2010/main">
+        <mc:Choice Requires="p14">
           <p:contentPart p14:bwMode="auto" r:id="rId14">
             <p14:nvContentPartPr>
               <p14:cNvPr id="23" name="Ink 22">
@@ -4854,7 +6142,7 @@
             </p14:xfrm>
           </p:contentPart>
         </mc:Choice>
-        <mc:Fallback>
+        <mc:Fallback xmlns="">
           <p:pic>
             <p:nvPicPr>
               <p:cNvPr id="23" name="Ink 22">
@@ -4885,8 +6173,8 @@
           </p:pic>
         </mc:Fallback>
       </mc:AlternateContent>
-      <mc:AlternateContent xmlns:mc="http://schemas.openxmlformats.org/markup-compatibility/2006">
-        <mc:Choice xmlns:p14="http://schemas.microsoft.com/office/powerpoint/2010/main" Requires="p14">
+      <mc:AlternateContent xmlns:mc="http://schemas.openxmlformats.org/markup-compatibility/2006" xmlns:p14="http://schemas.microsoft.com/office/powerpoint/2010/main">
+        <mc:Choice Requires="p14">
           <p:contentPart p14:bwMode="auto" r:id="rId16">
             <p14:nvContentPartPr>
               <p14:cNvPr id="24" name="Ink 23">
@@ -4905,7 +6193,7 @@
             </p14:xfrm>
           </p:contentPart>
         </mc:Choice>
-        <mc:Fallback>
+        <mc:Fallback xmlns="">
           <p:pic>
             <p:nvPicPr>
               <p:cNvPr id="24" name="Ink 23">
@@ -5168,8 +6456,8 @@
           </a:prstGeom>
         </p:spPr>
       </p:pic>
-      <mc:AlternateContent xmlns:mc="http://schemas.openxmlformats.org/markup-compatibility/2006">
-        <mc:Choice xmlns:p14="http://schemas.microsoft.com/office/powerpoint/2010/main" Requires="p14">
+      <mc:AlternateContent xmlns:mc="http://schemas.openxmlformats.org/markup-compatibility/2006" xmlns:p14="http://schemas.microsoft.com/office/powerpoint/2010/main">
+        <mc:Choice Requires="p14">
           <p:contentPart p14:bwMode="auto" r:id="rId3">
             <p14:nvContentPartPr>
               <p14:cNvPr id="8" name="Ink 7">
@@ -5188,7 +6476,7 @@
             </p14:xfrm>
           </p:contentPart>
         </mc:Choice>
-        <mc:Fallback>
+        <mc:Fallback xmlns="">
           <p:pic>
             <p:nvPicPr>
               <p:cNvPr id="8" name="Ink 7">
@@ -6761,27 +8049,7 @@
           <a:p>
             <a:r>
               <a:rPr lang="en-US" altLang="zh-CN" dirty="0"/>
-              <a:t>To</a:t>
-            </a:r>
-            <a:r>
-              <a:rPr lang="zh-CN" altLang="en-US" dirty="0"/>
-              <a:t> </a:t>
-            </a:r>
-            <a:r>
-              <a:rPr lang="en-US" altLang="zh-CN" dirty="0"/>
-              <a:t>be</a:t>
-            </a:r>
-            <a:r>
-              <a:rPr lang="zh-CN" altLang="en-US" dirty="0"/>
-              <a:t> </a:t>
-            </a:r>
-            <a:r>
-              <a:rPr lang="en-US" altLang="zh-CN" dirty="0"/>
-              <a:t>finished</a:t>
-            </a:r>
-            <a:r>
-              <a:rPr lang="zh-CN" altLang="en-US" dirty="0"/>
-              <a:t> </a:t>
+              <a:t>Samples confirmation</a:t>
             </a:r>
             <a:endParaRPr lang="en-US" dirty="0"/>
           </a:p>
@@ -6809,50 +8077,18 @@
           <a:lstStyle/>
           <a:p>
             <a:r>
-              <a:rPr lang="en-US" altLang="zh-CN" dirty="0"/>
-              <a:t>Run</a:t>
-            </a:r>
-            <a:r>
-              <a:rPr lang="zh-CN" altLang="en-US" dirty="0"/>
-              <a:t> </a:t>
-            </a:r>
-            <a:r>
-              <a:rPr lang="en-US" altLang="zh-CN" dirty="0"/>
-              <a:t>BLSMM</a:t>
-            </a:r>
-            <a:r>
-              <a:rPr lang="zh-CN" altLang="en-US" dirty="0"/>
-              <a:t> </a:t>
-            </a:r>
-            <a:r>
-              <a:rPr lang="en-US" altLang="zh-CN" dirty="0"/>
-              <a:t>to</a:t>
-            </a:r>
-            <a:r>
-              <a:rPr lang="zh-CN" altLang="en-US" dirty="0"/>
-              <a:t> </a:t>
-            </a:r>
-            <a:r>
-              <a:rPr lang="en-US" altLang="zh-CN" dirty="0"/>
-              <a:t>get</a:t>
-            </a:r>
-            <a:r>
-              <a:rPr lang="zh-CN" altLang="en-US" dirty="0"/>
-              <a:t> </a:t>
-            </a:r>
-            <a:r>
-              <a:rPr lang="en-US" altLang="zh-CN" dirty="0"/>
-              <a:t>the</a:t>
-            </a:r>
-            <a:r>
-              <a:rPr lang="zh-CN" altLang="en-US" dirty="0"/>
-              <a:t> </a:t>
-            </a:r>
-            <a:r>
-              <a:rPr lang="en-US" altLang="zh-CN" dirty="0" err="1"/>
-              <a:t>resluts</a:t>
-            </a:r>
+              <a:rPr lang="en-US" dirty="0"/>
+              <a:t>Double checked with lulu about the samples in both SNPs and gene expression. It is 989 samples in common instead of 1032, since the data we use now is different from lulu’s</a:t>
+            </a:r>
+          </a:p>
+          <a:p>
             <a:endParaRPr lang="en-US" dirty="0"/>
+          </a:p>
+          <a:p>
+            <a:r>
+              <a:rPr lang="en-US" dirty="0"/>
+              <a:t>Then, I finished the SNPs extraction work for all these 989 samples, finally got the BIMBAM file and annotation file of those.</a:t>
+            </a:r>
           </a:p>
         </p:txBody>
       </p:sp>
@@ -6860,6 +8096,148 @@
     <p:extLst>
       <p:ext uri="{BB962C8B-B14F-4D97-AF65-F5344CB8AC3E}">
         <p14:creationId xmlns:p14="http://schemas.microsoft.com/office/powerpoint/2010/main" val="3372205904"/>
+      </p:ext>
+    </p:extLst>
+  </p:cSld>
+  <p:clrMapOvr>
+    <a:masterClrMapping/>
+  </p:clrMapOvr>
+</p:sld>
+</file>
+
+<file path=ppt/slides/slide9.xml><?xml version="1.0" encoding="utf-8"?>
+<p:sld xmlns:a="http://schemas.openxmlformats.org/drawingml/2006/main" xmlns:r="http://schemas.openxmlformats.org/officeDocument/2006/relationships" xmlns:p="http://schemas.openxmlformats.org/presentationml/2006/main">
+  <p:cSld>
+    <p:spTree>
+      <p:nvGrpSpPr>
+        <p:cNvPr id="1" name=""/>
+        <p:cNvGrpSpPr/>
+        <p:nvPr/>
+      </p:nvGrpSpPr>
+      <p:grpSpPr>
+        <a:xfrm>
+          <a:off x="0" y="0"/>
+          <a:ext cx="0" cy="0"/>
+          <a:chOff x="0" y="0"/>
+          <a:chExt cx="0" cy="0"/>
+        </a:xfrm>
+      </p:grpSpPr>
+      <p:sp>
+        <p:nvSpPr>
+          <p:cNvPr id="2" name="Title 1">
+            <a:extLst>
+              <a:ext uri="{FF2B5EF4-FFF2-40B4-BE49-F238E27FC236}">
+                <a16:creationId xmlns:a16="http://schemas.microsoft.com/office/drawing/2014/main" id="{76D1EAE5-C1D8-9141-BF0D-9A6154520738}"/>
+              </a:ext>
+            </a:extLst>
+          </p:cNvPr>
+          <p:cNvSpPr>
+            <a:spLocks noGrp="1"/>
+          </p:cNvSpPr>
+          <p:nvPr>
+            <p:ph type="title"/>
+          </p:nvPr>
+        </p:nvSpPr>
+        <p:spPr/>
+        <p:txBody>
+          <a:bodyPr/>
+          <a:lstStyle/>
+          <a:p>
+            <a:r>
+              <a:rPr lang="en-US" dirty="0"/>
+              <a:t>Running BSLMM(without adjusting)</a:t>
+            </a:r>
+          </a:p>
+        </p:txBody>
+      </p:sp>
+      <p:sp>
+        <p:nvSpPr>
+          <p:cNvPr id="3" name="Content Placeholder 2">
+            <a:extLst>
+              <a:ext uri="{FF2B5EF4-FFF2-40B4-BE49-F238E27FC236}">
+                <a16:creationId xmlns:a16="http://schemas.microsoft.com/office/drawing/2014/main" id="{BC4EFE74-7E01-C04C-BE02-7D4B62D935D0}"/>
+              </a:ext>
+            </a:extLst>
+          </p:cNvPr>
+          <p:cNvSpPr>
+            <a:spLocks noGrp="1"/>
+          </p:cNvSpPr>
+          <p:nvPr>
+            <p:ph idx="1"/>
+          </p:nvPr>
+        </p:nvSpPr>
+        <p:spPr/>
+        <p:txBody>
+          <a:bodyPr/>
+          <a:lstStyle/>
+          <a:p>
+            <a:r>
+              <a:rPr lang="en-US" dirty="0"/>
+              <a:t>Running 1 gene ENSG00000233866(107SNPs) on chr22 for test(32955 in total)</a:t>
+            </a:r>
+          </a:p>
+          <a:p>
+            <a:r>
+              <a:rPr lang="en-US" dirty="0"/>
+              <a:t>If set –s 10000 It will take around 2min to finish</a:t>
+            </a:r>
+          </a:p>
+          <a:p>
+            <a:r>
+              <a:rPr lang="en-US" dirty="0"/>
+              <a:t>(why the computation time in log file is 10min)</a:t>
+            </a:r>
+          </a:p>
+          <a:p>
+            <a:r>
+              <a:rPr lang="en-US" dirty="0"/>
+              <a:t>If let it be default(-s 1000000),  it will take about 5 min</a:t>
+            </a:r>
+          </a:p>
+          <a:p>
+            <a:endParaRPr lang="en-US" dirty="0"/>
+          </a:p>
+          <a:p>
+            <a:pPr marL="0" indent="0">
+              <a:buNone/>
+            </a:pPr>
+            <a:r>
+              <a:rPr lang="en-US" altLang="zh-CN" dirty="0"/>
+              <a:t>Warning</a:t>
+            </a:r>
+            <a:r>
+              <a:rPr lang="zh-CN" altLang="en-US" dirty="0"/>
+              <a:t> </a:t>
+            </a:r>
+            <a:r>
+              <a:rPr lang="en-US" altLang="zh-CN" dirty="0"/>
+              <a:t>message</a:t>
+            </a:r>
+            <a:r>
+              <a:rPr lang="zh-CN" altLang="en-US" dirty="0"/>
+              <a:t> </a:t>
+            </a:r>
+            <a:r>
+              <a:rPr lang="en-US" altLang="zh-CN" dirty="0"/>
+              <a:t>:</a:t>
+            </a:r>
+            <a:r>
+              <a:rPr lang="en-US" dirty="0"/>
+              <a:t>WARNING: Matrix G has 882 eigenvalues close to zero</a:t>
+            </a:r>
+          </a:p>
+          <a:p>
+            <a:pPr marL="0" indent="0">
+              <a:buNone/>
+            </a:pPr>
+            <a:endParaRPr lang="en-US" dirty="0"/>
+          </a:p>
+        </p:txBody>
+      </p:sp>
+    </p:spTree>
+    <p:extLst>
+      <p:ext uri="{BB962C8B-B14F-4D97-AF65-F5344CB8AC3E}">
+        <p14:creationId xmlns:p14="http://schemas.microsoft.com/office/powerpoint/2010/main" val="1527449180"/>
       </p:ext>
     </p:extLst>
   </p:cSld>
